--- a/ST1_4483_8995_capstone_ppt.pptx
+++ b/ST1_4483_8995_capstone_ppt.pptx
@@ -7997,7 +7997,7 @@
         <p:spPr/>
         <p:txBody>
           <a:bodyPr>
-            <a:normAutofit/>
+            <a:normAutofit fontScale="92500"/>
           </a:bodyPr>
           <a:lstStyle/>
           <a:p>
@@ -8047,7 +8047,43 @@
             </a:pPr>
             <a:r>
               <a:rPr lang="en-US" dirty="0"/>
-              <a:t>Implementation and Deployment (TkInter/Flask/Streamlit) Plan and Status Update</a:t>
+              <a:t>Implementation and Deployment (</a:t>
+            </a:r>
+            <a:r>
+              <a:rPr lang="en-US" dirty="0" err="1"/>
+              <a:t>TkInter</a:t>
+            </a:r>
+            <a:r>
+              <a:rPr lang="en-US" dirty="0"/>
+              <a:t> / Flask / </a:t>
+            </a:r>
+            <a:r>
+              <a:rPr lang="en-US" dirty="0" err="1"/>
+              <a:t>Streamlit</a:t>
+            </a:r>
+            <a:r>
+              <a:rPr lang="en-US" dirty="0"/>
+              <a:t>) Outcomes</a:t>
+            </a:r>
+          </a:p>
+          <a:p>
+            <a:pPr marL="514350" indent="-514350" algn="just">
+              <a:buFont typeface="+mj-lt"/>
+              <a:buAutoNum type="arabicPeriod"/>
+            </a:pPr>
+            <a:r>
+              <a:rPr lang="en-US" dirty="0"/>
+              <a:t>Project Demo</a:t>
+            </a:r>
+          </a:p>
+          <a:p>
+            <a:pPr marL="514350" indent="-514350" algn="just">
+              <a:buFont typeface="+mj-lt"/>
+              <a:buAutoNum type="arabicPeriod"/>
+            </a:pPr>
+            <a:r>
+              <a:rPr lang="en-US" dirty="0"/>
+              <a:t>Reflection</a:t>
             </a:r>
           </a:p>
           <a:p>
